--- a/MKIImpedancePaper/beamScreenCrossSectionLabelled.pptx
+++ b/MKIImpedancePaper/beamScreenCrossSectionLabelled.pptx
@@ -7,8 +7,8 @@
   <p:sldIdLst>
     <p:sldId id="256" r:id="rId2"/>
   </p:sldIdLst>
-  <p:sldSz cx="6480175" cy="3600450"/>
-  <p:notesSz cx="6858000" cy="9144000"/>
+  <p:sldSz cx="5761038" cy="3600450"/>
+  <p:notesSz cx="6797675" cy="9928225"/>
   <p:defaultTextStyle>
     <a:defPPr>
       <a:defRPr lang="en-US"/>
@@ -136,8 +136,8 @@
         </p:nvSpPr>
         <p:spPr>
           <a:xfrm>
-            <a:off x="486014" y="1118476"/>
-            <a:ext cx="5508149" cy="771763"/>
+            <a:off x="432079" y="1118477"/>
+            <a:ext cx="4896883" cy="771763"/>
           </a:xfrm>
         </p:spPr>
         <p:txBody>
@@ -164,8 +164,8 @@
         </p:nvSpPr>
         <p:spPr>
           <a:xfrm>
-            <a:off x="972026" y="2040257"/>
-            <a:ext cx="4536123" cy="920115"/>
+            <a:off x="864156" y="2040258"/>
+            <a:ext cx="4032727" cy="920115"/>
           </a:xfrm>
         </p:spPr>
         <p:txBody>
@@ -288,7 +288,7 @@
           <a:p>
             <a:fld id="{BA17D17D-D25A-4999-BFB9-F0222E9F1C6C}" type="datetimeFigureOut">
               <a:rPr lang="en-GB" smtClean="0"/>
-              <a:t>04/06/2014</a:t>
+              <a:t>22/04/2015</a:t>
             </a:fld>
             <a:endParaRPr lang="en-GB"/>
           </a:p>
@@ -458,7 +458,7 @@
           <a:p>
             <a:fld id="{BA17D17D-D25A-4999-BFB9-F0222E9F1C6C}" type="datetimeFigureOut">
               <a:rPr lang="en-GB" smtClean="0"/>
-              <a:t>04/06/2014</a:t>
+              <a:t>22/04/2015</a:t>
             </a:fld>
             <a:endParaRPr lang="en-GB"/>
           </a:p>
@@ -548,8 +548,8 @@
         </p:nvSpPr>
         <p:spPr>
           <a:xfrm>
-            <a:off x="4698128" y="144187"/>
-            <a:ext cx="1458039" cy="3072051"/>
+            <a:off x="4176754" y="144188"/>
+            <a:ext cx="1296233" cy="3072051"/>
           </a:xfrm>
         </p:spPr>
         <p:txBody>
@@ -576,8 +576,8 @@
         </p:nvSpPr>
         <p:spPr>
           <a:xfrm>
-            <a:off x="324009" y="144187"/>
-            <a:ext cx="4266116" cy="3072051"/>
+            <a:off x="288052" y="144188"/>
+            <a:ext cx="3792684" cy="3072051"/>
           </a:xfrm>
         </p:spPr>
         <p:txBody>
@@ -638,7 +638,7 @@
           <a:p>
             <a:fld id="{BA17D17D-D25A-4999-BFB9-F0222E9F1C6C}" type="datetimeFigureOut">
               <a:rPr lang="en-GB" smtClean="0"/>
-              <a:t>04/06/2014</a:t>
+              <a:t>22/04/2015</a:t>
             </a:fld>
             <a:endParaRPr lang="en-GB"/>
           </a:p>
@@ -808,7 +808,7 @@
           <a:p>
             <a:fld id="{BA17D17D-D25A-4999-BFB9-F0222E9F1C6C}" type="datetimeFigureOut">
               <a:rPr lang="en-GB" smtClean="0"/>
-              <a:t>04/06/2014</a:t>
+              <a:t>22/04/2015</a:t>
             </a:fld>
             <a:endParaRPr lang="en-GB"/>
           </a:p>
@@ -898,8 +898,8 @@
         </p:nvSpPr>
         <p:spPr>
           <a:xfrm>
-            <a:off x="511891" y="2313625"/>
-            <a:ext cx="5508149" cy="715089"/>
+            <a:off x="455084" y="2313626"/>
+            <a:ext cx="4896883" cy="715089"/>
           </a:xfrm>
         </p:spPr>
         <p:txBody>
@@ -930,8 +930,8 @@
         </p:nvSpPr>
         <p:spPr>
           <a:xfrm>
-            <a:off x="511891" y="1526025"/>
-            <a:ext cx="5508149" cy="787598"/>
+            <a:off x="455084" y="1526025"/>
+            <a:ext cx="4896883" cy="787598"/>
           </a:xfrm>
         </p:spPr>
         <p:txBody>
@@ -1054,7 +1054,7 @@
           <a:p>
             <a:fld id="{BA17D17D-D25A-4999-BFB9-F0222E9F1C6C}" type="datetimeFigureOut">
               <a:rPr lang="en-GB" smtClean="0"/>
-              <a:t>04/06/2014</a:t>
+              <a:t>22/04/2015</a:t>
             </a:fld>
             <a:endParaRPr lang="en-GB"/>
           </a:p>
@@ -1167,8 +1167,8 @@
         </p:nvSpPr>
         <p:spPr>
           <a:xfrm>
-            <a:off x="324009" y="840107"/>
-            <a:ext cx="2862078" cy="2376131"/>
+            <a:off x="288052" y="840108"/>
+            <a:ext cx="2544459" cy="2376131"/>
           </a:xfrm>
         </p:spPr>
         <p:txBody>
@@ -1252,8 +1252,8 @@
         </p:nvSpPr>
         <p:spPr>
           <a:xfrm>
-            <a:off x="3294089" y="840107"/>
-            <a:ext cx="2862078" cy="2376131"/>
+            <a:off x="2928528" y="840108"/>
+            <a:ext cx="2544459" cy="2376131"/>
           </a:xfrm>
         </p:spPr>
         <p:txBody>
@@ -1342,7 +1342,7 @@
           <a:p>
             <a:fld id="{BA17D17D-D25A-4999-BFB9-F0222E9F1C6C}" type="datetimeFigureOut">
               <a:rPr lang="en-GB" smtClean="0"/>
-              <a:t>04/06/2014</a:t>
+              <a:t>22/04/2015</a:t>
             </a:fld>
             <a:endParaRPr lang="en-GB"/>
           </a:p>
@@ -1459,8 +1459,8 @@
         </p:nvSpPr>
         <p:spPr>
           <a:xfrm>
-            <a:off x="324010" y="805936"/>
-            <a:ext cx="2863202" cy="335875"/>
+            <a:off x="288053" y="805936"/>
+            <a:ext cx="2545458" cy="335875"/>
           </a:xfrm>
         </p:spPr>
         <p:txBody>
@@ -1524,8 +1524,8 @@
         </p:nvSpPr>
         <p:spPr>
           <a:xfrm>
-            <a:off x="324010" y="1141810"/>
-            <a:ext cx="2863202" cy="2074426"/>
+            <a:off x="288053" y="1141810"/>
+            <a:ext cx="2545458" cy="2074426"/>
           </a:xfrm>
         </p:spPr>
         <p:txBody>
@@ -1609,8 +1609,8 @@
         </p:nvSpPr>
         <p:spPr>
           <a:xfrm>
-            <a:off x="3291838" y="805936"/>
-            <a:ext cx="2864328" cy="335875"/>
+            <a:off x="2926527" y="805936"/>
+            <a:ext cx="2546459" cy="335875"/>
           </a:xfrm>
         </p:spPr>
         <p:txBody>
@@ -1674,8 +1674,8 @@
         </p:nvSpPr>
         <p:spPr>
           <a:xfrm>
-            <a:off x="3291838" y="1141810"/>
-            <a:ext cx="2864328" cy="2074426"/>
+            <a:off x="2926527" y="1141810"/>
+            <a:ext cx="2546459" cy="2074426"/>
           </a:xfrm>
         </p:spPr>
         <p:txBody>
@@ -1764,7 +1764,7 @@
           <a:p>
             <a:fld id="{BA17D17D-D25A-4999-BFB9-F0222E9F1C6C}" type="datetimeFigureOut">
               <a:rPr lang="en-GB" smtClean="0"/>
-              <a:t>04/06/2014</a:t>
+              <a:t>22/04/2015</a:t>
             </a:fld>
             <a:endParaRPr lang="en-GB"/>
           </a:p>
@@ -1882,7 +1882,7 @@
           <a:p>
             <a:fld id="{BA17D17D-D25A-4999-BFB9-F0222E9F1C6C}" type="datetimeFigureOut">
               <a:rPr lang="en-GB" smtClean="0"/>
-              <a:t>04/06/2014</a:t>
+              <a:t>22/04/2015</a:t>
             </a:fld>
             <a:endParaRPr lang="en-GB"/>
           </a:p>
@@ -1977,7 +1977,7 @@
           <a:p>
             <a:fld id="{BA17D17D-D25A-4999-BFB9-F0222E9F1C6C}" type="datetimeFigureOut">
               <a:rPr lang="en-GB" smtClean="0"/>
-              <a:t>04/06/2014</a:t>
+              <a:t>22/04/2015</a:t>
             </a:fld>
             <a:endParaRPr lang="en-GB"/>
           </a:p>
@@ -2067,8 +2067,8 @@
         </p:nvSpPr>
         <p:spPr>
           <a:xfrm>
-            <a:off x="324010" y="143351"/>
-            <a:ext cx="2131932" cy="610076"/>
+            <a:off x="288053" y="143351"/>
+            <a:ext cx="1895341" cy="610076"/>
           </a:xfrm>
         </p:spPr>
         <p:txBody>
@@ -2099,8 +2099,8 @@
         </p:nvSpPr>
         <p:spPr>
           <a:xfrm>
-            <a:off x="2533569" y="143352"/>
-            <a:ext cx="3622597" cy="3072884"/>
+            <a:off x="2252407" y="143352"/>
+            <a:ext cx="3220580" cy="3072884"/>
           </a:xfrm>
         </p:spPr>
         <p:txBody>
@@ -2184,8 +2184,8 @@
         </p:nvSpPr>
         <p:spPr>
           <a:xfrm>
-            <a:off x="324010" y="753428"/>
-            <a:ext cx="2131932" cy="2462808"/>
+            <a:off x="288053" y="753428"/>
+            <a:ext cx="1895341" cy="2462808"/>
           </a:xfrm>
         </p:spPr>
         <p:txBody>
@@ -2254,7 +2254,7 @@
           <a:p>
             <a:fld id="{BA17D17D-D25A-4999-BFB9-F0222E9F1C6C}" type="datetimeFigureOut">
               <a:rPr lang="en-GB" smtClean="0"/>
-              <a:t>04/06/2014</a:t>
+              <a:t>22/04/2015</a:t>
             </a:fld>
             <a:endParaRPr lang="en-GB"/>
           </a:p>
@@ -2344,8 +2344,8 @@
         </p:nvSpPr>
         <p:spPr>
           <a:xfrm>
-            <a:off x="1270160" y="2520318"/>
-            <a:ext cx="3888105" cy="297537"/>
+            <a:off x="1129204" y="2520319"/>
+            <a:ext cx="3456623" cy="297537"/>
           </a:xfrm>
         </p:spPr>
         <p:txBody>
@@ -2376,8 +2376,8 @@
         </p:nvSpPr>
         <p:spPr>
           <a:xfrm>
-            <a:off x="1270160" y="321707"/>
-            <a:ext cx="3888105" cy="2160270"/>
+            <a:off x="1129204" y="321707"/>
+            <a:ext cx="3456623" cy="2160270"/>
           </a:xfrm>
         </p:spPr>
         <p:txBody>
@@ -2437,8 +2437,8 @@
         </p:nvSpPr>
         <p:spPr>
           <a:xfrm>
-            <a:off x="1270160" y="2817855"/>
-            <a:ext cx="3888105" cy="422553"/>
+            <a:off x="1129204" y="2817856"/>
+            <a:ext cx="3456623" cy="422553"/>
           </a:xfrm>
         </p:spPr>
         <p:txBody>
@@ -2507,7 +2507,7 @@
           <a:p>
             <a:fld id="{BA17D17D-D25A-4999-BFB9-F0222E9F1C6C}" type="datetimeFigureOut">
               <a:rPr lang="en-GB" smtClean="0"/>
-              <a:t>04/06/2014</a:t>
+              <a:t>22/04/2015</a:t>
             </a:fld>
             <a:endParaRPr lang="en-GB"/>
           </a:p>
@@ -2602,8 +2602,8 @@
         </p:nvSpPr>
         <p:spPr>
           <a:xfrm>
-            <a:off x="324010" y="144187"/>
-            <a:ext cx="5832158" cy="600075"/>
+            <a:off x="288053" y="144188"/>
+            <a:ext cx="5184935" cy="600075"/>
           </a:xfrm>
           <a:prstGeom prst="rect">
             <a:avLst/>
@@ -2635,8 +2635,8 @@
         </p:nvSpPr>
         <p:spPr>
           <a:xfrm>
-            <a:off x="324010" y="840107"/>
-            <a:ext cx="5832158" cy="2376131"/>
+            <a:off x="288053" y="840108"/>
+            <a:ext cx="5184935" cy="2376131"/>
           </a:xfrm>
           <a:prstGeom prst="rect">
             <a:avLst/>
@@ -2697,8 +2697,8 @@
         </p:nvSpPr>
         <p:spPr>
           <a:xfrm>
-            <a:off x="324010" y="3337086"/>
-            <a:ext cx="1512041" cy="191691"/>
+            <a:off x="288054" y="3337087"/>
+            <a:ext cx="1344242" cy="191691"/>
           </a:xfrm>
           <a:prstGeom prst="rect">
             <a:avLst/>
@@ -2720,7 +2720,7 @@
           <a:p>
             <a:fld id="{BA17D17D-D25A-4999-BFB9-F0222E9F1C6C}" type="datetimeFigureOut">
               <a:rPr lang="en-GB" smtClean="0"/>
-              <a:t>04/06/2014</a:t>
+              <a:t>22/04/2015</a:t>
             </a:fld>
             <a:endParaRPr lang="en-GB"/>
           </a:p>
@@ -2738,8 +2738,8 @@
         </p:nvSpPr>
         <p:spPr>
           <a:xfrm>
-            <a:off x="2214061" y="3337086"/>
-            <a:ext cx="2052056" cy="191691"/>
+            <a:off x="1968356" y="3337087"/>
+            <a:ext cx="1824329" cy="191691"/>
           </a:xfrm>
           <a:prstGeom prst="rect">
             <a:avLst/>
@@ -2775,8 +2775,8 @@
         </p:nvSpPr>
         <p:spPr>
           <a:xfrm>
-            <a:off x="4644128" y="3337086"/>
-            <a:ext cx="1512041" cy="191691"/>
+            <a:off x="4128747" y="3337087"/>
+            <a:ext cx="1344242" cy="191691"/>
           </a:xfrm>
           <a:prstGeom prst="rect">
             <a:avLst/>
@@ -3097,7 +3097,7 @@
       </p:grpSpPr>
       <p:pic>
         <p:nvPicPr>
-          <p:cNvPr id="20" name="Picture 2" descr="E:\PhD\1st_Year_09-10\Presentations\MKIMiniReview\MKIImpedancePresentations\screenDesignCrossSection.png"/>
+          <p:cNvPr id="37" name="Picture 2" descr="E:\PhD\1st_Year_09-10\Presentations\MKIMiniReview\MKIImpedancePresentations\screenDesignCrossSection.png"/>
           <p:cNvPicPr>
             <a:picLocks noChangeAspect="1" noChangeArrowheads="1"/>
           </p:cNvPicPr>
@@ -3116,7 +3116,7 @@
         </p:blipFill>
         <p:spPr bwMode="auto">
           <a:xfrm>
-            <a:off x="11466" y="216049"/>
+            <a:off x="15676" y="216049"/>
             <a:ext cx="6502005" cy="2747878"/>
           </a:xfrm>
           <a:prstGeom prst="rect">
@@ -3136,7 +3136,7 @@
       </p:pic>
       <p:sp>
         <p:nvSpPr>
-          <p:cNvPr id="21" name="TextBox 20"/>
+          <p:cNvPr id="38" name="TextBox 37"/>
           <p:cNvSpPr txBox="1"/>
           <p:nvPr/>
         </p:nvSpPr>
@@ -3166,7 +3166,7 @@
       </p:sp>
       <p:cxnSp>
         <p:nvCxnSpPr>
-          <p:cNvPr id="22" name="Straight Arrow Connector 21"/>
+          <p:cNvPr id="39" name="Straight Arrow Connector 38"/>
           <p:cNvCxnSpPr/>
           <p:nvPr/>
         </p:nvCxnSpPr>
@@ -3202,7 +3202,7 @@
       </p:cxnSp>
       <p:sp>
         <p:nvSpPr>
-          <p:cNvPr id="23" name="TextBox 22"/>
+          <p:cNvPr id="40" name="TextBox 39"/>
           <p:cNvSpPr txBox="1"/>
           <p:nvPr/>
         </p:nvSpPr>
@@ -3232,7 +3232,7 @@
       </p:sp>
       <p:cxnSp>
         <p:nvCxnSpPr>
-          <p:cNvPr id="24" name="Straight Arrow Connector 23"/>
+          <p:cNvPr id="41" name="Straight Arrow Connector 40"/>
           <p:cNvCxnSpPr/>
           <p:nvPr/>
         </p:nvCxnSpPr>
@@ -3268,7 +3268,7 @@
       </p:cxnSp>
       <p:cxnSp>
         <p:nvCxnSpPr>
-          <p:cNvPr id="25" name="Straight Arrow Connector 24"/>
+          <p:cNvPr id="42" name="Straight Arrow Connector 41"/>
           <p:cNvCxnSpPr/>
           <p:nvPr/>
         </p:nvCxnSpPr>
@@ -3281,6 +3281,727 @@
             <a:avLst/>
           </a:prstGeom>
           <a:ln w="19050">
+            <a:solidFill>
+              <a:schemeClr val="tx1"/>
+            </a:solidFill>
+            <a:tailEnd type="arrow"/>
+          </a:ln>
+        </p:spPr>
+        <p:style>
+          <a:lnRef idx="1">
+            <a:schemeClr val="accent1"/>
+          </a:lnRef>
+          <a:fillRef idx="0">
+            <a:schemeClr val="accent1"/>
+          </a:fillRef>
+          <a:effectRef idx="0">
+            <a:schemeClr val="accent1"/>
+          </a:effectRef>
+          <a:fontRef idx="minor">
+            <a:schemeClr val="tx1"/>
+          </a:fontRef>
+        </p:style>
+      </p:cxnSp>
+      <p:cxnSp>
+        <p:nvCxnSpPr>
+          <p:cNvPr id="43" name="Straight Connector 42"/>
+          <p:cNvCxnSpPr/>
+          <p:nvPr/>
+        </p:nvCxnSpPr>
+        <p:spPr>
+          <a:xfrm>
+            <a:off x="575791" y="504081"/>
+            <a:ext cx="0" cy="1728192"/>
+          </a:xfrm>
+          <a:prstGeom prst="line">
+            <a:avLst/>
+          </a:prstGeom>
+          <a:ln w="19050">
+            <a:solidFill>
+              <a:srgbClr val="FF0000"/>
+            </a:solidFill>
+          </a:ln>
+        </p:spPr>
+        <p:style>
+          <a:lnRef idx="1">
+            <a:schemeClr val="accent1"/>
+          </a:lnRef>
+          <a:fillRef idx="0">
+            <a:schemeClr val="accent1"/>
+          </a:fillRef>
+          <a:effectRef idx="0">
+            <a:schemeClr val="accent1"/>
+          </a:effectRef>
+          <a:fontRef idx="minor">
+            <a:schemeClr val="tx1"/>
+          </a:fontRef>
+        </p:style>
+      </p:cxnSp>
+      <p:cxnSp>
+        <p:nvCxnSpPr>
+          <p:cNvPr id="44" name="Straight Connector 43"/>
+          <p:cNvCxnSpPr/>
+          <p:nvPr/>
+        </p:nvCxnSpPr>
+        <p:spPr>
+          <a:xfrm>
+            <a:off x="3384103" y="504081"/>
+            <a:ext cx="0" cy="1728192"/>
+          </a:xfrm>
+          <a:prstGeom prst="line">
+            <a:avLst/>
+          </a:prstGeom>
+          <a:ln w="19050">
+            <a:solidFill>
+              <a:srgbClr val="FF0000"/>
+            </a:solidFill>
+          </a:ln>
+        </p:spPr>
+        <p:style>
+          <a:lnRef idx="1">
+            <a:schemeClr val="accent1"/>
+          </a:lnRef>
+          <a:fillRef idx="0">
+            <a:schemeClr val="accent1"/>
+          </a:fillRef>
+          <a:effectRef idx="0">
+            <a:schemeClr val="accent1"/>
+          </a:effectRef>
+          <a:fontRef idx="minor">
+            <a:schemeClr val="tx1"/>
+          </a:fontRef>
+        </p:style>
+      </p:cxnSp>
+      <p:sp>
+        <p:nvSpPr>
+          <p:cNvPr id="45" name="TextBox 44"/>
+          <p:cNvSpPr txBox="1"/>
+          <p:nvPr/>
+        </p:nvSpPr>
+        <p:spPr>
+          <a:xfrm>
+            <a:off x="1782008" y="432073"/>
+            <a:ext cx="737999" cy="323165"/>
+          </a:xfrm>
+          <a:prstGeom prst="rect">
+            <a:avLst/>
+          </a:prstGeom>
+          <a:solidFill>
+            <a:schemeClr val="bg1"/>
+          </a:solidFill>
+        </p:spPr>
+        <p:txBody>
+          <a:bodyPr wrap="square" rtlCol="0">
+            <a:spAutoFit/>
+          </a:bodyPr>
+          <a:lstStyle/>
+          <a:p>
+            <a:r>
+              <a:rPr lang="fr-CA" dirty="0" err="1" smtClean="0"/>
+              <a:t>L</a:t>
+            </a:r>
+            <a:r>
+              <a:rPr lang="fr-CA" baseline="-25000" dirty="0" err="1" smtClean="0"/>
+              <a:t>overlap</a:t>
+            </a:r>
+            <a:endParaRPr lang="en-GB" baseline="-25000" dirty="0"/>
+          </a:p>
+        </p:txBody>
+      </p:sp>
+      <p:cxnSp>
+        <p:nvCxnSpPr>
+          <p:cNvPr id="46" name="Straight Arrow Connector 45"/>
+          <p:cNvCxnSpPr/>
+          <p:nvPr/>
+        </p:nvCxnSpPr>
+        <p:spPr>
+          <a:xfrm>
+            <a:off x="575791" y="755238"/>
+            <a:ext cx="2808312" cy="0"/>
+          </a:xfrm>
+          <a:prstGeom prst="straightConnector1">
+            <a:avLst/>
+          </a:prstGeom>
+          <a:ln w="25400">
+            <a:solidFill>
+              <a:srgbClr val="00B050"/>
+            </a:solidFill>
+            <a:headEnd type="arrow"/>
+            <a:tailEnd type="arrow"/>
+          </a:ln>
+        </p:spPr>
+        <p:style>
+          <a:lnRef idx="1">
+            <a:schemeClr val="accent1"/>
+          </a:lnRef>
+          <a:fillRef idx="0">
+            <a:schemeClr val="accent1"/>
+          </a:fillRef>
+          <a:effectRef idx="0">
+            <a:schemeClr val="accent1"/>
+          </a:effectRef>
+          <a:fontRef idx="minor">
+            <a:schemeClr val="tx1"/>
+          </a:fontRef>
+        </p:style>
+      </p:cxnSp>
+      <p:sp>
+        <p:nvSpPr>
+          <p:cNvPr id="47" name="Rectangle 46"/>
+          <p:cNvSpPr/>
+          <p:nvPr/>
+        </p:nvSpPr>
+        <p:spPr>
+          <a:xfrm>
+            <a:off x="4536231" y="216049"/>
+            <a:ext cx="1728192" cy="576064"/>
+          </a:xfrm>
+          <a:prstGeom prst="rect">
+            <a:avLst/>
+          </a:prstGeom>
+          <a:solidFill>
+            <a:schemeClr val="bg1"/>
+          </a:solidFill>
+          <a:ln>
+            <a:solidFill>
+              <a:schemeClr val="bg1"/>
+            </a:solidFill>
+          </a:ln>
+        </p:spPr>
+        <p:style>
+          <a:lnRef idx="2">
+            <a:schemeClr val="accent1">
+              <a:shade val="50000"/>
+            </a:schemeClr>
+          </a:lnRef>
+          <a:fillRef idx="1">
+            <a:schemeClr val="accent1"/>
+          </a:fillRef>
+          <a:effectRef idx="0">
+            <a:schemeClr val="accent1"/>
+          </a:effectRef>
+          <a:fontRef idx="minor">
+            <a:schemeClr val="lt1"/>
+          </a:fontRef>
+        </p:style>
+        <p:txBody>
+          <a:bodyPr rtlCol="0" anchor="ctr"/>
+          <a:lstStyle/>
+          <a:p>
+            <a:pPr algn="ctr"/>
+            <a:endParaRPr lang="en-GB"/>
+          </a:p>
+        </p:txBody>
+      </p:sp>
+      <p:sp>
+        <p:nvSpPr>
+          <p:cNvPr id="48" name="Rectangle 47"/>
+          <p:cNvSpPr/>
+          <p:nvPr/>
+        </p:nvSpPr>
+        <p:spPr>
+          <a:xfrm>
+            <a:off x="5184303" y="1013923"/>
+            <a:ext cx="1224136" cy="642285"/>
+          </a:xfrm>
+          <a:prstGeom prst="rect">
+            <a:avLst/>
+          </a:prstGeom>
+          <a:solidFill>
+            <a:schemeClr val="bg1"/>
+          </a:solidFill>
+          <a:ln>
+            <a:solidFill>
+              <a:schemeClr val="bg1"/>
+            </a:solidFill>
+          </a:ln>
+        </p:spPr>
+        <p:style>
+          <a:lnRef idx="2">
+            <a:schemeClr val="accent1">
+              <a:shade val="50000"/>
+            </a:schemeClr>
+          </a:lnRef>
+          <a:fillRef idx="1">
+            <a:schemeClr val="accent1"/>
+          </a:fillRef>
+          <a:effectRef idx="0">
+            <a:schemeClr val="accent1"/>
+          </a:effectRef>
+          <a:fontRef idx="minor">
+            <a:schemeClr val="lt1"/>
+          </a:fontRef>
+        </p:style>
+        <p:txBody>
+          <a:bodyPr rtlCol="0" anchor="ctr"/>
+          <a:lstStyle/>
+          <a:p>
+            <a:pPr algn="ctr"/>
+            <a:endParaRPr lang="en-GB"/>
+          </a:p>
+        </p:txBody>
+      </p:sp>
+      <p:sp>
+        <p:nvSpPr>
+          <p:cNvPr id="49" name="Rectangle 48"/>
+          <p:cNvSpPr/>
+          <p:nvPr/>
+        </p:nvSpPr>
+        <p:spPr>
+          <a:xfrm>
+            <a:off x="4579339" y="2189973"/>
+            <a:ext cx="1685084" cy="688452"/>
+          </a:xfrm>
+          <a:prstGeom prst="rect">
+            <a:avLst/>
+          </a:prstGeom>
+          <a:solidFill>
+            <a:schemeClr val="bg1"/>
+          </a:solidFill>
+          <a:ln>
+            <a:solidFill>
+              <a:schemeClr val="bg1"/>
+            </a:solidFill>
+          </a:ln>
+        </p:spPr>
+        <p:style>
+          <a:lnRef idx="2">
+            <a:schemeClr val="accent1">
+              <a:shade val="50000"/>
+            </a:schemeClr>
+          </a:lnRef>
+          <a:fillRef idx="1">
+            <a:schemeClr val="accent1"/>
+          </a:fillRef>
+          <a:effectRef idx="0">
+            <a:schemeClr val="accent1"/>
+          </a:effectRef>
+          <a:fontRef idx="minor">
+            <a:schemeClr val="lt1"/>
+          </a:fontRef>
+        </p:style>
+        <p:txBody>
+          <a:bodyPr rtlCol="0" anchor="ctr"/>
+          <a:lstStyle/>
+          <a:p>
+            <a:pPr algn="ctr"/>
+            <a:endParaRPr lang="en-GB"/>
+          </a:p>
+        </p:txBody>
+      </p:sp>
+      <p:sp>
+        <p:nvSpPr>
+          <p:cNvPr id="50" name="Rectangle 49"/>
+          <p:cNvSpPr/>
+          <p:nvPr/>
+        </p:nvSpPr>
+        <p:spPr>
+          <a:xfrm>
+            <a:off x="4113328" y="2275475"/>
+            <a:ext cx="1647039" cy="602950"/>
+          </a:xfrm>
+          <a:prstGeom prst="rect">
+            <a:avLst/>
+          </a:prstGeom>
+          <a:solidFill>
+            <a:schemeClr val="bg1"/>
+          </a:solidFill>
+          <a:ln>
+            <a:solidFill>
+              <a:schemeClr val="bg1"/>
+            </a:solidFill>
+          </a:ln>
+        </p:spPr>
+        <p:style>
+          <a:lnRef idx="2">
+            <a:schemeClr val="accent1">
+              <a:shade val="50000"/>
+            </a:schemeClr>
+          </a:lnRef>
+          <a:fillRef idx="1">
+            <a:schemeClr val="accent1"/>
+          </a:fillRef>
+          <a:effectRef idx="0">
+            <a:schemeClr val="accent1"/>
+          </a:effectRef>
+          <a:fontRef idx="minor">
+            <a:schemeClr val="lt1"/>
+          </a:fontRef>
+        </p:style>
+        <p:txBody>
+          <a:bodyPr rtlCol="0" anchor="ctr"/>
+          <a:lstStyle/>
+          <a:p>
+            <a:pPr algn="ctr"/>
+            <a:endParaRPr lang="en-GB"/>
+          </a:p>
+        </p:txBody>
+      </p:sp>
+      <p:sp>
+        <p:nvSpPr>
+          <p:cNvPr id="51" name="Rectangle 50"/>
+          <p:cNvSpPr/>
+          <p:nvPr/>
+        </p:nvSpPr>
+        <p:spPr>
+          <a:xfrm>
+            <a:off x="5040288" y="1066702"/>
+            <a:ext cx="1477394" cy="602950"/>
+          </a:xfrm>
+          <a:prstGeom prst="rect">
+            <a:avLst/>
+          </a:prstGeom>
+          <a:solidFill>
+            <a:schemeClr val="bg1"/>
+          </a:solidFill>
+          <a:ln>
+            <a:solidFill>
+              <a:schemeClr val="bg1"/>
+            </a:solidFill>
+          </a:ln>
+        </p:spPr>
+        <p:style>
+          <a:lnRef idx="2">
+            <a:schemeClr val="accent1">
+              <a:shade val="50000"/>
+            </a:schemeClr>
+          </a:lnRef>
+          <a:fillRef idx="1">
+            <a:schemeClr val="accent1"/>
+          </a:fillRef>
+          <a:effectRef idx="0">
+            <a:schemeClr val="accent1"/>
+          </a:effectRef>
+          <a:fontRef idx="minor">
+            <a:schemeClr val="lt1"/>
+          </a:fontRef>
+        </p:style>
+        <p:txBody>
+          <a:bodyPr rtlCol="0" anchor="ctr"/>
+          <a:lstStyle/>
+          <a:p>
+            <a:pPr algn="ctr"/>
+            <a:endParaRPr lang="en-GB"/>
+          </a:p>
+        </p:txBody>
+      </p:sp>
+      <p:sp>
+        <p:nvSpPr>
+          <p:cNvPr id="52" name="Rectangle 51"/>
+          <p:cNvSpPr/>
+          <p:nvPr/>
+        </p:nvSpPr>
+        <p:spPr>
+          <a:xfrm>
+            <a:off x="4113328" y="229261"/>
+            <a:ext cx="1477394" cy="602950"/>
+          </a:xfrm>
+          <a:prstGeom prst="rect">
+            <a:avLst/>
+          </a:prstGeom>
+          <a:solidFill>
+            <a:schemeClr val="bg1"/>
+          </a:solidFill>
+          <a:ln>
+            <a:solidFill>
+              <a:schemeClr val="bg1"/>
+            </a:solidFill>
+          </a:ln>
+        </p:spPr>
+        <p:style>
+          <a:lnRef idx="2">
+            <a:schemeClr val="accent1">
+              <a:shade val="50000"/>
+            </a:schemeClr>
+          </a:lnRef>
+          <a:fillRef idx="1">
+            <a:schemeClr val="accent1"/>
+          </a:fillRef>
+          <a:effectRef idx="0">
+            <a:schemeClr val="accent1"/>
+          </a:effectRef>
+          <a:fontRef idx="minor">
+            <a:schemeClr val="lt1"/>
+          </a:fontRef>
+        </p:style>
+        <p:txBody>
+          <a:bodyPr rtlCol="0" anchor="ctr"/>
+          <a:lstStyle/>
+          <a:p>
+            <a:pPr algn="ctr"/>
+            <a:endParaRPr lang="en-GB"/>
+          </a:p>
+        </p:txBody>
+      </p:sp>
+      <p:sp>
+        <p:nvSpPr>
+          <p:cNvPr id="53" name="TextBox 52"/>
+          <p:cNvSpPr txBox="1"/>
+          <p:nvPr/>
+        </p:nvSpPr>
+        <p:spPr>
+          <a:xfrm>
+            <a:off x="1684694" y="143497"/>
+            <a:ext cx="1079017" cy="276999"/>
+          </a:xfrm>
+          <a:prstGeom prst="rect">
+            <a:avLst/>
+          </a:prstGeom>
+          <a:solidFill>
+            <a:schemeClr val="bg1"/>
+          </a:solidFill>
+        </p:spPr>
+        <p:txBody>
+          <a:bodyPr wrap="square" rtlCol="0">
+            <a:spAutoFit/>
+          </a:bodyPr>
+          <a:lstStyle/>
+          <a:p>
+            <a:r>
+              <a:rPr lang="fr-CA" sz="1200" dirty="0" smtClean="0"/>
+              <a:t>HV </a:t>
+            </a:r>
+            <a:r>
+              <a:rPr lang="fr-CA" sz="1200" dirty="0" err="1" smtClean="0"/>
+              <a:t>deflector</a:t>
+            </a:r>
+            <a:endParaRPr lang="en-GB" sz="1200" baseline="-25000" dirty="0"/>
+          </a:p>
+        </p:txBody>
+      </p:sp>
+      <p:cxnSp>
+        <p:nvCxnSpPr>
+          <p:cNvPr id="54" name="Straight Arrow Connector 53"/>
+          <p:cNvCxnSpPr>
+            <a:stCxn id="53" idx="1"/>
+          </p:cNvCxnSpPr>
+          <p:nvPr/>
+        </p:nvCxnSpPr>
+        <p:spPr>
+          <a:xfrm flipH="1">
+            <a:off x="1151856" y="281997"/>
+            <a:ext cx="532838" cy="74114"/>
+          </a:xfrm>
+          <a:prstGeom prst="straightConnector1">
+            <a:avLst/>
+          </a:prstGeom>
+          <a:ln w="19050">
+            <a:solidFill>
+              <a:schemeClr val="tx1"/>
+            </a:solidFill>
+            <a:tailEnd type="arrow"/>
+          </a:ln>
+        </p:spPr>
+        <p:style>
+          <a:lnRef idx="1">
+            <a:schemeClr val="accent1"/>
+          </a:lnRef>
+          <a:fillRef idx="0">
+            <a:schemeClr val="accent1"/>
+          </a:fillRef>
+          <a:effectRef idx="0">
+            <a:schemeClr val="accent1"/>
+          </a:effectRef>
+          <a:fontRef idx="minor">
+            <a:schemeClr val="tx1"/>
+          </a:fontRef>
+        </p:style>
+      </p:cxnSp>
+      <p:sp>
+        <p:nvSpPr>
+          <p:cNvPr id="55" name="TextBox 54"/>
+          <p:cNvSpPr txBox="1"/>
+          <p:nvPr/>
+        </p:nvSpPr>
+        <p:spPr>
+          <a:xfrm>
+            <a:off x="3168079" y="131990"/>
+            <a:ext cx="1079017" cy="461665"/>
+          </a:xfrm>
+          <a:prstGeom prst="rect">
+            <a:avLst/>
+          </a:prstGeom>
+          <a:solidFill>
+            <a:schemeClr val="bg1"/>
+          </a:solidFill>
+        </p:spPr>
+        <p:txBody>
+          <a:bodyPr wrap="square" rtlCol="0">
+            <a:spAutoFit/>
+          </a:bodyPr>
+          <a:lstStyle/>
+          <a:p>
+            <a:r>
+              <a:rPr lang="fr-CA" sz="1200" dirty="0" err="1" smtClean="0"/>
+              <a:t>External</a:t>
+            </a:r>
+            <a:r>
+              <a:rPr lang="fr-CA" sz="1200" dirty="0" smtClean="0"/>
+              <a:t> </a:t>
+            </a:r>
+            <a:r>
+              <a:rPr lang="fr-CA" sz="1200" dirty="0" err="1" smtClean="0"/>
+              <a:t>cylinder</a:t>
+            </a:r>
+            <a:endParaRPr lang="en-GB" sz="1200" baseline="-25000" dirty="0"/>
+          </a:p>
+        </p:txBody>
+      </p:sp>
+      <p:cxnSp>
+        <p:nvCxnSpPr>
+          <p:cNvPr id="56" name="Straight Arrow Connector 55"/>
+          <p:cNvCxnSpPr/>
+          <p:nvPr/>
+        </p:nvCxnSpPr>
+        <p:spPr>
+          <a:xfrm flipH="1">
+            <a:off x="2952055" y="357959"/>
+            <a:ext cx="320777" cy="434154"/>
+          </a:xfrm>
+          <a:prstGeom prst="straightConnector1">
+            <a:avLst/>
+          </a:prstGeom>
+          <a:ln w="19050">
+            <a:solidFill>
+              <a:schemeClr val="tx1"/>
+            </a:solidFill>
+            <a:tailEnd type="arrow"/>
+          </a:ln>
+        </p:spPr>
+        <p:style>
+          <a:lnRef idx="1">
+            <a:schemeClr val="accent1"/>
+          </a:lnRef>
+          <a:fillRef idx="0">
+            <a:schemeClr val="accent1"/>
+          </a:fillRef>
+          <a:effectRef idx="0">
+            <a:schemeClr val="accent1"/>
+          </a:effectRef>
+          <a:fontRef idx="minor">
+            <a:schemeClr val="tx1"/>
+          </a:fontRef>
+        </p:style>
+      </p:cxnSp>
+      <p:sp>
+        <p:nvSpPr>
+          <p:cNvPr id="3" name="Rectangle 2"/>
+          <p:cNvSpPr/>
+          <p:nvPr/>
+        </p:nvSpPr>
+        <p:spPr>
+          <a:xfrm>
+            <a:off x="199" y="1656208"/>
+            <a:ext cx="3383904" cy="360041"/>
+          </a:xfrm>
+          <a:prstGeom prst="rect">
+            <a:avLst/>
+          </a:prstGeom>
+          <a:noFill/>
+          <a:ln>
+            <a:solidFill>
+              <a:schemeClr val="tx1"/>
+            </a:solidFill>
+          </a:ln>
+        </p:spPr>
+        <p:style>
+          <a:lnRef idx="2">
+            <a:schemeClr val="accent1">
+              <a:shade val="50000"/>
+            </a:schemeClr>
+          </a:lnRef>
+          <a:fillRef idx="1">
+            <a:schemeClr val="accent1"/>
+          </a:fillRef>
+          <a:effectRef idx="0">
+            <a:schemeClr val="accent1"/>
+          </a:effectRef>
+          <a:fontRef idx="minor">
+            <a:schemeClr val="lt1"/>
+          </a:fontRef>
+        </p:style>
+        <p:txBody>
+          <a:bodyPr rtlCol="0" anchor="ctr"/>
+          <a:lstStyle/>
+          <a:p>
+            <a:pPr algn="ctr"/>
+            <a:endParaRPr lang="en-GB"/>
+          </a:p>
+        </p:txBody>
+      </p:sp>
+      <p:sp>
+        <p:nvSpPr>
+          <p:cNvPr id="4" name="TextBox 3"/>
+          <p:cNvSpPr txBox="1"/>
+          <p:nvPr/>
+        </p:nvSpPr>
+        <p:spPr>
+          <a:xfrm>
+            <a:off x="4032647" y="1656208"/>
+            <a:ext cx="1727720" cy="523220"/>
+          </a:xfrm>
+          <a:prstGeom prst="rect">
+            <a:avLst/>
+          </a:prstGeom>
+          <a:solidFill>
+            <a:schemeClr val="bg1"/>
+          </a:solidFill>
+        </p:spPr>
+        <p:txBody>
+          <a:bodyPr wrap="square" rtlCol="0">
+            <a:spAutoFit/>
+          </a:bodyPr>
+          <a:lstStyle/>
+          <a:p>
+            <a:r>
+              <a:rPr lang="fr-CA" sz="1400" dirty="0" err="1" smtClean="0"/>
+              <a:t>Conductors</a:t>
+            </a:r>
+            <a:r>
+              <a:rPr lang="fr-CA" sz="1400" dirty="0" smtClean="0"/>
+              <a:t> </a:t>
+            </a:r>
+            <a:r>
+              <a:rPr lang="fr-CA" sz="1400" dirty="0" err="1" smtClean="0"/>
+              <a:t>removed</a:t>
+            </a:r>
+            <a:r>
+              <a:rPr lang="fr-CA" sz="1400" dirty="0" smtClean="0"/>
+              <a:t> </a:t>
+            </a:r>
+            <a:r>
+              <a:rPr lang="fr-CA" sz="1400" dirty="0" err="1" smtClean="0"/>
+              <a:t>prior</a:t>
+            </a:r>
+            <a:r>
+              <a:rPr lang="fr-CA" sz="1400" dirty="0"/>
+              <a:t> </a:t>
+            </a:r>
+            <a:r>
+              <a:rPr lang="fr-CA" sz="1400" dirty="0" smtClean="0"/>
+              <a:t>to LS1</a:t>
+            </a:r>
+            <a:endParaRPr lang="en-GB" sz="1400" dirty="0"/>
+          </a:p>
+        </p:txBody>
+      </p:sp>
+      <p:cxnSp>
+        <p:nvCxnSpPr>
+          <p:cNvPr id="6" name="Straight Arrow Connector 5"/>
+          <p:cNvCxnSpPr>
+            <a:stCxn id="4" idx="1"/>
+          </p:cNvCxnSpPr>
+          <p:nvPr/>
+        </p:nvCxnSpPr>
+        <p:spPr>
+          <a:xfrm flipH="1" flipV="1">
+            <a:off x="3384103" y="1836228"/>
+            <a:ext cx="648544" cy="81590"/>
+          </a:xfrm>
+          <a:prstGeom prst="straightConnector1">
+            <a:avLst/>
+          </a:prstGeom>
+          <a:ln w="22225">
             <a:solidFill>
               <a:schemeClr val="tx1"/>
             </a:solidFill>

--- a/MKIImpedancePaper/beamScreenCrossSectionLabelled.pptx
+++ b/MKIImpedancePaper/beamScreenCrossSectionLabelled.pptx
@@ -288,7 +288,7 @@
           <a:p>
             <a:fld id="{BA17D17D-D25A-4999-BFB9-F0222E9F1C6C}" type="datetimeFigureOut">
               <a:rPr lang="en-GB" smtClean="0"/>
-              <a:t>22/04/2015</a:t>
+              <a:t>24/04/2015</a:t>
             </a:fld>
             <a:endParaRPr lang="en-GB"/>
           </a:p>
@@ -458,7 +458,7 @@
           <a:p>
             <a:fld id="{BA17D17D-D25A-4999-BFB9-F0222E9F1C6C}" type="datetimeFigureOut">
               <a:rPr lang="en-GB" smtClean="0"/>
-              <a:t>22/04/2015</a:t>
+              <a:t>24/04/2015</a:t>
             </a:fld>
             <a:endParaRPr lang="en-GB"/>
           </a:p>
@@ -638,7 +638,7 @@
           <a:p>
             <a:fld id="{BA17D17D-D25A-4999-BFB9-F0222E9F1C6C}" type="datetimeFigureOut">
               <a:rPr lang="en-GB" smtClean="0"/>
-              <a:t>22/04/2015</a:t>
+              <a:t>24/04/2015</a:t>
             </a:fld>
             <a:endParaRPr lang="en-GB"/>
           </a:p>
@@ -808,7 +808,7 @@
           <a:p>
             <a:fld id="{BA17D17D-D25A-4999-BFB9-F0222E9F1C6C}" type="datetimeFigureOut">
               <a:rPr lang="en-GB" smtClean="0"/>
-              <a:t>22/04/2015</a:t>
+              <a:t>24/04/2015</a:t>
             </a:fld>
             <a:endParaRPr lang="en-GB"/>
           </a:p>
@@ -1054,7 +1054,7 @@
           <a:p>
             <a:fld id="{BA17D17D-D25A-4999-BFB9-F0222E9F1C6C}" type="datetimeFigureOut">
               <a:rPr lang="en-GB" smtClean="0"/>
-              <a:t>22/04/2015</a:t>
+              <a:t>24/04/2015</a:t>
             </a:fld>
             <a:endParaRPr lang="en-GB"/>
           </a:p>
@@ -1342,7 +1342,7 @@
           <a:p>
             <a:fld id="{BA17D17D-D25A-4999-BFB9-F0222E9F1C6C}" type="datetimeFigureOut">
               <a:rPr lang="en-GB" smtClean="0"/>
-              <a:t>22/04/2015</a:t>
+              <a:t>24/04/2015</a:t>
             </a:fld>
             <a:endParaRPr lang="en-GB"/>
           </a:p>
@@ -1764,7 +1764,7 @@
           <a:p>
             <a:fld id="{BA17D17D-D25A-4999-BFB9-F0222E9F1C6C}" type="datetimeFigureOut">
               <a:rPr lang="en-GB" smtClean="0"/>
-              <a:t>22/04/2015</a:t>
+              <a:t>24/04/2015</a:t>
             </a:fld>
             <a:endParaRPr lang="en-GB"/>
           </a:p>
@@ -1882,7 +1882,7 @@
           <a:p>
             <a:fld id="{BA17D17D-D25A-4999-BFB9-F0222E9F1C6C}" type="datetimeFigureOut">
               <a:rPr lang="en-GB" smtClean="0"/>
-              <a:t>22/04/2015</a:t>
+              <a:t>24/04/2015</a:t>
             </a:fld>
             <a:endParaRPr lang="en-GB"/>
           </a:p>
@@ -1977,7 +1977,7 @@
           <a:p>
             <a:fld id="{BA17D17D-D25A-4999-BFB9-F0222E9F1C6C}" type="datetimeFigureOut">
               <a:rPr lang="en-GB" smtClean="0"/>
-              <a:t>22/04/2015</a:t>
+              <a:t>24/04/2015</a:t>
             </a:fld>
             <a:endParaRPr lang="en-GB"/>
           </a:p>
@@ -2254,7 +2254,7 @@
           <a:p>
             <a:fld id="{BA17D17D-D25A-4999-BFB9-F0222E9F1C6C}" type="datetimeFigureOut">
               <a:rPr lang="en-GB" smtClean="0"/>
-              <a:t>22/04/2015</a:t>
+              <a:t>24/04/2015</a:t>
             </a:fld>
             <a:endParaRPr lang="en-GB"/>
           </a:p>
@@ -2507,7 +2507,7 @@
           <a:p>
             <a:fld id="{BA17D17D-D25A-4999-BFB9-F0222E9F1C6C}" type="datetimeFigureOut">
               <a:rPr lang="en-GB" smtClean="0"/>
-              <a:t>22/04/2015</a:t>
+              <a:t>24/04/2015</a:t>
             </a:fld>
             <a:endParaRPr lang="en-GB"/>
           </a:p>
@@ -2720,7 +2720,7 @@
           <a:p>
             <a:fld id="{BA17D17D-D25A-4999-BFB9-F0222E9F1C6C}" type="datetimeFigureOut">
               <a:rPr lang="en-GB" smtClean="0"/>
-              <a:t>22/04/2015</a:t>
+              <a:t>24/04/2015</a:t>
             </a:fld>
             <a:endParaRPr lang="en-GB"/>
           </a:p>
@@ -3200,108 +3200,6 @@
           </a:fontRef>
         </p:style>
       </p:cxnSp>
-      <p:sp>
-        <p:nvSpPr>
-          <p:cNvPr id="40" name="TextBox 39"/>
-          <p:cNvSpPr txBox="1"/>
-          <p:nvPr/>
-        </p:nvSpPr>
-        <p:spPr>
-          <a:xfrm>
-            <a:off x="254351" y="2878425"/>
-            <a:ext cx="2509360" cy="553998"/>
-          </a:xfrm>
-          <a:prstGeom prst="rect">
-            <a:avLst/>
-          </a:prstGeom>
-          <a:noFill/>
-        </p:spPr>
-        <p:txBody>
-          <a:bodyPr wrap="square" rtlCol="0">
-            <a:spAutoFit/>
-          </a:bodyPr>
-          <a:lstStyle/>
-          <a:p>
-            <a:r>
-              <a:rPr lang="en-GB" dirty="0" smtClean="0"/>
-              <a:t>Holders for ferrite damping rings</a:t>
-            </a:r>
-            <a:endParaRPr lang="en-GB" dirty="0"/>
-          </a:p>
-        </p:txBody>
-      </p:sp>
-      <p:cxnSp>
-        <p:nvCxnSpPr>
-          <p:cNvPr id="41" name="Straight Arrow Connector 40"/>
-          <p:cNvCxnSpPr/>
-          <p:nvPr/>
-        </p:nvCxnSpPr>
-        <p:spPr>
-          <a:xfrm flipH="1" flipV="1">
-            <a:off x="932245" y="2621047"/>
-            <a:ext cx="333901" cy="253704"/>
-          </a:xfrm>
-          <a:prstGeom prst="straightConnector1">
-            <a:avLst/>
-          </a:prstGeom>
-          <a:ln w="19050">
-            <a:solidFill>
-              <a:schemeClr val="tx1"/>
-            </a:solidFill>
-            <a:tailEnd type="arrow"/>
-          </a:ln>
-        </p:spPr>
-        <p:style>
-          <a:lnRef idx="1">
-            <a:schemeClr val="accent1"/>
-          </a:lnRef>
-          <a:fillRef idx="0">
-            <a:schemeClr val="accent1"/>
-          </a:fillRef>
-          <a:effectRef idx="0">
-            <a:schemeClr val="accent1"/>
-          </a:effectRef>
-          <a:fontRef idx="minor">
-            <a:schemeClr val="tx1"/>
-          </a:fontRef>
-        </p:style>
-      </p:cxnSp>
-      <p:cxnSp>
-        <p:nvCxnSpPr>
-          <p:cNvPr id="42" name="Straight Arrow Connector 41"/>
-          <p:cNvCxnSpPr/>
-          <p:nvPr/>
-        </p:nvCxnSpPr>
-        <p:spPr>
-          <a:xfrm flipV="1">
-            <a:off x="2042543" y="2621049"/>
-            <a:ext cx="1409981" cy="253702"/>
-          </a:xfrm>
-          <a:prstGeom prst="straightConnector1">
-            <a:avLst/>
-          </a:prstGeom>
-          <a:ln w="19050">
-            <a:solidFill>
-              <a:schemeClr val="tx1"/>
-            </a:solidFill>
-            <a:tailEnd type="arrow"/>
-          </a:ln>
-        </p:spPr>
-        <p:style>
-          <a:lnRef idx="1">
-            <a:schemeClr val="accent1"/>
-          </a:lnRef>
-          <a:fillRef idx="0">
-            <a:schemeClr val="accent1"/>
-          </a:fillRef>
-          <a:effectRef idx="0">
-            <a:schemeClr val="accent1"/>
-          </a:effectRef>
-          <a:fontRef idx="minor">
-            <a:schemeClr val="tx1"/>
-          </a:fontRef>
-        </p:style>
-      </p:cxnSp>
       <p:cxnSp>
         <p:nvCxnSpPr>
           <p:cNvPr id="43" name="Straight Connector 42"/>
@@ -4023,6 +3921,46 @@
           </a:fontRef>
         </p:style>
       </p:cxnSp>
+      <p:sp>
+        <p:nvSpPr>
+          <p:cNvPr id="2" name="TextBox 1"/>
+          <p:cNvSpPr txBox="1"/>
+          <p:nvPr/>
+        </p:nvSpPr>
+        <p:spPr>
+          <a:xfrm>
+            <a:off x="4579339" y="1066702"/>
+            <a:ext cx="1181500" cy="553998"/>
+          </a:xfrm>
+          <a:prstGeom prst="rect">
+            <a:avLst/>
+          </a:prstGeom>
+          <a:solidFill>
+            <a:schemeClr val="bg1"/>
+          </a:solidFill>
+        </p:spPr>
+        <p:txBody>
+          <a:bodyPr wrap="square" rtlCol="0">
+            <a:spAutoFit/>
+          </a:bodyPr>
+          <a:lstStyle/>
+          <a:p>
+            <a:r>
+              <a:rPr lang="fr-CA" dirty="0" err="1" smtClean="0"/>
+              <a:t>Screen</a:t>
+            </a:r>
+            <a:r>
+              <a:rPr lang="fr-CA" dirty="0" smtClean="0"/>
+              <a:t> </a:t>
+            </a:r>
+            <a:r>
+              <a:rPr lang="fr-CA" dirty="0" err="1" smtClean="0"/>
+              <a:t>conductors</a:t>
+            </a:r>
+            <a:endParaRPr lang="en-GB" dirty="0"/>
+          </a:p>
+        </p:txBody>
+      </p:sp>
     </p:spTree>
     <p:extLst>
       <p:ext uri="{BB962C8B-B14F-4D97-AF65-F5344CB8AC3E}">
